--- a/doc/PPT..pptx
+++ b/doc/PPT..pptx
@@ -263,7 +263,7 @@
           <a:p>
             <a:fld id="{FC7EE55E-14CC-40EC-8EAA-4B196D739074}" type="datetimeFigureOut">
               <a:rPr lang="en-US" smtClean="0"/>
-              <a:t>7/28/2024</a:t>
+              <a:t>8/26/2024</a:t>
             </a:fld>
             <a:endParaRPr lang="en-US"/>
           </a:p>
@@ -480,7 +480,7 @@
           <a:p>
             <a:fld id="{FC7EE55E-14CC-40EC-8EAA-4B196D739074}" type="datetimeFigureOut">
               <a:rPr lang="en-US" smtClean="0"/>
-              <a:t>7/28/2024</a:t>
+              <a:t>8/26/2024</a:t>
             </a:fld>
             <a:endParaRPr lang="en-US"/>
           </a:p>
@@ -701,7 +701,7 @@
           <a:p>
             <a:fld id="{FC7EE55E-14CC-40EC-8EAA-4B196D739074}" type="datetimeFigureOut">
               <a:rPr lang="en-US" smtClean="0"/>
-              <a:t>7/28/2024</a:t>
+              <a:t>8/26/2024</a:t>
             </a:fld>
             <a:endParaRPr lang="en-US"/>
           </a:p>
@@ -908,7 +908,7 @@
           <a:p>
             <a:fld id="{FC7EE55E-14CC-40EC-8EAA-4B196D739074}" type="datetimeFigureOut">
               <a:rPr lang="en-US" smtClean="0"/>
-              <a:t>7/28/2024</a:t>
+              <a:t>8/26/2024</a:t>
             </a:fld>
             <a:endParaRPr lang="en-US"/>
           </a:p>
@@ -1193,7 +1193,7 @@
           <a:p>
             <a:fld id="{FC7EE55E-14CC-40EC-8EAA-4B196D739074}" type="datetimeFigureOut">
               <a:rPr lang="en-US" smtClean="0"/>
-              <a:t>7/28/2024</a:t>
+              <a:t>8/26/2024</a:t>
             </a:fld>
             <a:endParaRPr lang="en-US"/>
           </a:p>
@@ -1467,7 +1467,7 @@
           <a:p>
             <a:fld id="{FC7EE55E-14CC-40EC-8EAA-4B196D739074}" type="datetimeFigureOut">
               <a:rPr lang="en-US" smtClean="0"/>
-              <a:t>7/28/2024</a:t>
+              <a:t>8/26/2024</a:t>
             </a:fld>
             <a:endParaRPr lang="en-US"/>
           </a:p>
@@ -1889,7 +1889,7 @@
           <a:p>
             <a:fld id="{FC7EE55E-14CC-40EC-8EAA-4B196D739074}" type="datetimeFigureOut">
               <a:rPr lang="en-US" smtClean="0"/>
-              <a:t>7/28/2024</a:t>
+              <a:t>8/26/2024</a:t>
             </a:fld>
             <a:endParaRPr lang="en-US"/>
           </a:p>
@@ -2044,7 +2044,7 @@
           <a:p>
             <a:fld id="{FC7EE55E-14CC-40EC-8EAA-4B196D739074}" type="datetimeFigureOut">
               <a:rPr lang="en-US" smtClean="0"/>
-              <a:t>7/28/2024</a:t>
+              <a:t>8/26/2024</a:t>
             </a:fld>
             <a:endParaRPr lang="en-US"/>
           </a:p>
@@ -2176,7 +2176,7 @@
           <a:p>
             <a:fld id="{FC7EE55E-14CC-40EC-8EAA-4B196D739074}" type="datetimeFigureOut">
               <a:rPr lang="en-US" smtClean="0"/>
-              <a:t>7/28/2024</a:t>
+              <a:t>8/26/2024</a:t>
             </a:fld>
             <a:endParaRPr lang="en-US"/>
           </a:p>
@@ -2427,7 +2427,7 @@
           <a:p>
             <a:fld id="{FC7EE55E-14CC-40EC-8EAA-4B196D739074}" type="datetimeFigureOut">
               <a:rPr lang="en-US" smtClean="0"/>
-              <a:t>7/28/2024</a:t>
+              <a:t>8/26/2024</a:t>
             </a:fld>
             <a:endParaRPr lang="en-US"/>
           </a:p>
@@ -2882,7 +2882,7 @@
           <a:p>
             <a:fld id="{FC7EE55E-14CC-40EC-8EAA-4B196D739074}" type="datetimeFigureOut">
               <a:rPr lang="en-US" smtClean="0"/>
-              <a:t>7/28/2024</a:t>
+              <a:t>8/26/2024</a:t>
             </a:fld>
             <a:endParaRPr lang="en-US"/>
           </a:p>
@@ -3209,7 +3209,7 @@
           <a:p>
             <a:fld id="{FC7EE55E-14CC-40EC-8EAA-4B196D739074}" type="datetimeFigureOut">
               <a:rPr lang="en-US" smtClean="0"/>
-              <a:t>7/28/2024</a:t>
+              <a:t>8/26/2024</a:t>
             </a:fld>
             <a:endParaRPr lang="en-US"/>
           </a:p>
@@ -3805,6 +3805,42 @@
           </a:p>
         </p:txBody>
       </p:sp>
+      <p:pic>
+        <p:nvPicPr>
+          <p:cNvPr id="4" name="Picture 3">
+            <a:extLst>
+              <a:ext uri="{FF2B5EF4-FFF2-40B4-BE49-F238E27FC236}">
+                <a16:creationId xmlns:a16="http://schemas.microsoft.com/office/drawing/2014/main" id="{49D7E09C-979C-486A-B18F-FF194390B5E5}"/>
+              </a:ext>
+            </a:extLst>
+          </p:cNvPr>
+          <p:cNvPicPr>
+            <a:picLocks noChangeAspect="1"/>
+          </p:cNvPicPr>
+          <p:nvPr/>
+        </p:nvPicPr>
+        <p:blipFill>
+          <a:blip r:embed="rId2">
+            <a:extLst>
+              <a:ext uri="{28A0092B-C50C-407E-A947-70E740481C1C}">
+                <a14:useLocalDpi xmlns:a14="http://schemas.microsoft.com/office/drawing/2010/main" val="0"/>
+              </a:ext>
+            </a:extLst>
+          </a:blip>
+          <a:stretch>
+            <a:fillRect/>
+          </a:stretch>
+        </p:blipFill>
+        <p:spPr>
+          <a:xfrm>
+            <a:off x="10076621" y="0"/>
+            <a:ext cx="2115379" cy="2115379"/>
+          </a:xfrm>
+          <a:prstGeom prst="rect">
+            <a:avLst/>
+          </a:prstGeom>
+        </p:spPr>
+      </p:pic>
     </p:spTree>
     <p:extLst>
       <p:ext uri="{BB962C8B-B14F-4D97-AF65-F5344CB8AC3E}">
@@ -4475,11 +4511,13 @@
         <p:spPr>
           <a:xfrm>
             <a:off x="0" y="0"/>
-            <a:ext cx="12192000" cy="6858000"/>
-          </a:xfrm>
-        </p:spPr>
-        <p:txBody>
-          <a:bodyPr/>
+            <a:ext cx="12192000" cy="4134678"/>
+          </a:xfrm>
+        </p:spPr>
+        <p:txBody>
+          <a:bodyPr>
+            <a:normAutofit fontScale="92500" lnSpcReduction="20000"/>
+          </a:bodyPr>
           <a:lstStyle/>
           <a:p>
             <a:r>
@@ -4517,6 +4555,53 @@
           </a:p>
         </p:txBody>
       </p:sp>
+      <p:pic>
+        <p:nvPicPr>
+          <p:cNvPr id="1028" name="Picture 4" descr="Maasai Primary School | Kenya">
+            <a:extLst>
+              <a:ext uri="{FF2B5EF4-FFF2-40B4-BE49-F238E27FC236}">
+                <a16:creationId xmlns:a16="http://schemas.microsoft.com/office/drawing/2014/main" id="{91D98FB6-4164-40E2-9BC2-504EF882B78B}"/>
+              </a:ext>
+            </a:extLst>
+          </p:cNvPr>
+          <p:cNvPicPr>
+            <a:picLocks noChangeAspect="1" noChangeArrowheads="1"/>
+          </p:cNvPicPr>
+          <p:nvPr/>
+        </p:nvPicPr>
+        <p:blipFill>
+          <a:blip r:embed="rId2">
+            <a:extLst>
+              <a:ext uri="{28A0092B-C50C-407E-A947-70E740481C1C}">
+                <a14:useLocalDpi xmlns:a14="http://schemas.microsoft.com/office/drawing/2010/main" val="0"/>
+              </a:ext>
+            </a:extLst>
+          </a:blip>
+          <a:srcRect/>
+          <a:stretch>
+            <a:fillRect/>
+          </a:stretch>
+        </p:blipFill>
+        <p:spPr bwMode="auto">
+          <a:xfrm>
+            <a:off x="4028661" y="3771587"/>
+            <a:ext cx="8163339" cy="3086413"/>
+          </a:xfrm>
+          <a:prstGeom prst="rect">
+            <a:avLst/>
+          </a:prstGeom>
+          <a:noFill/>
+          <a:extLst>
+            <a:ext uri="{909E8E84-426E-40DD-AFC4-6F175D3DCCD1}">
+              <a14:hiddenFill xmlns:a14="http://schemas.microsoft.com/office/drawing/2010/main">
+                <a:solidFill>
+                  <a:srgbClr val="FFFFFF"/>
+                </a:solidFill>
+              </a14:hiddenFill>
+            </a:ext>
+          </a:extLst>
+        </p:spPr>
+      </p:pic>
     </p:spTree>
     <p:extLst>
       <p:ext uri="{BB962C8B-B14F-4D97-AF65-F5344CB8AC3E}">
@@ -4650,7 +4735,7 @@
         <p:spPr>
           <a:xfrm>
             <a:off x="0" y="0"/>
-            <a:ext cx="12192000" cy="6858000"/>
+            <a:ext cx="6208643" cy="6858000"/>
           </a:xfrm>
         </p:spPr>
         <p:txBody>
@@ -4660,40 +4745,65 @@
           <a:lstStyle/>
           <a:p>
             <a:r>
-              <a:rPr lang="en-US" sz="2600" dirty="0"/>
-              <a:t>My experience at </a:t>
-            </a:r>
-            <a:r>
-              <a:rPr lang="en-US" sz="2800" dirty="0"/>
-              <a:t>AIC Ebenezer Academy </a:t>
-            </a:r>
-            <a:r>
-              <a:rPr lang="en-US" sz="2600" dirty="0"/>
-              <a:t>High School was a chapter of personal growth, academic exploration, and the formation of lasting friendships. It was a place where I discovered my potential, embraced leadership, and learned the values of resilience and perseverance. It was a journey that set the stage for the next chapters in my educational adventure.</a:t>
-            </a:r>
-          </a:p>
-          <a:p>
-            <a:r>
-              <a:rPr lang="en-US" sz="2600" dirty="0"/>
-              <a:t>Like any school experience, </a:t>
-            </a:r>
-            <a:r>
-              <a:rPr lang="en-US" sz="2800" dirty="0"/>
-              <a:t>AIC Ebenezer Academy </a:t>
-            </a:r>
-            <a:r>
-              <a:rPr lang="en-US" sz="2600" dirty="0"/>
-              <a:t>High School had its share of challenges. There were moments of self-doubt, the pressure of impending exams, and the need to balance academic commitments with personal life. But these challenges, as I learned, were integral to the high school journey. They tested my resilience and determination.</a:t>
-            </a:r>
-          </a:p>
-          <a:p>
-            <a:r>
-              <a:rPr lang="en-US" sz="2600" dirty="0"/>
-              <a:t>The remarkable KCSE grade of B became a milestone in my life, a stepping stone to future aspirations, and a testament to the boundless potential that exists within each of us when we dare to dream and work diligently to turn those dreams into reality. "Joining Dedan Kimathi University of Technology marked the beginning of a new chapter in my life, a chapter that had been nurtured through years of hard work and unwavering determination. As I packed my bags and left for the university, a mixture of excitement and apprehension filled my heart. The road ahead was paved with the promise of higher education, new horizons, and the pursuit of knowledge.</a:t>
-            </a:r>
-          </a:p>
-        </p:txBody>
-      </p:sp>
+              <a:rPr lang="en-US" sz="1800" dirty="0"/>
+              <a:t>My experience at AIC Ebenezer Academy High School was a chapter of personal growth, academic exploration, and the formation of lasting friendships. It was a place where I discovered my potential, embraced leadership, and learned the values of resilience and perseverance. It was a journey that set the stage for the next chapters in my educational adventure.</a:t>
+            </a:r>
+          </a:p>
+          <a:p>
+            <a:r>
+              <a:rPr lang="en-US" sz="1800" dirty="0"/>
+              <a:t>The remarkable KCSE grade of B became a milestone in my life, a stepping stone to future aspirations, and a testament to the boundless potential that exists within each of us when we dare to dream and work diligently to turn those dreams into reality. "Joining Dedan Kimathi University of Technology marked the beginning of a new chapter in my life, a chapter that had been nurtured through years of hard work and unwavering determination. As I packed my bags and left for the university, a mixture of excitement and apprehension filled my heart.</a:t>
+            </a:r>
+          </a:p>
+        </p:txBody>
+      </p:sp>
+      <p:pic>
+        <p:nvPicPr>
+          <p:cNvPr id="2050" name="Picture 2" descr="Mombasa football teams beats Kwale in primary school games | Nation">
+            <a:extLst>
+              <a:ext uri="{FF2B5EF4-FFF2-40B4-BE49-F238E27FC236}">
+                <a16:creationId xmlns:a16="http://schemas.microsoft.com/office/drawing/2014/main" id="{087A5EC3-A3BE-47D4-9043-430E2603235D}"/>
+              </a:ext>
+            </a:extLst>
+          </p:cNvPr>
+          <p:cNvPicPr>
+            <a:picLocks noChangeAspect="1" noChangeArrowheads="1"/>
+          </p:cNvPicPr>
+          <p:nvPr/>
+        </p:nvPicPr>
+        <p:blipFill>
+          <a:blip r:embed="rId2">
+            <a:extLst>
+              <a:ext uri="{28A0092B-C50C-407E-A947-70E740481C1C}">
+                <a14:useLocalDpi xmlns:a14="http://schemas.microsoft.com/office/drawing/2010/main" val="0"/>
+              </a:ext>
+            </a:extLst>
+          </a:blip>
+          <a:srcRect/>
+          <a:stretch>
+            <a:fillRect/>
+          </a:stretch>
+        </p:blipFill>
+        <p:spPr bwMode="auto">
+          <a:xfrm>
+            <a:off x="6208643" y="0"/>
+            <a:ext cx="5983357" cy="6122504"/>
+          </a:xfrm>
+          <a:prstGeom prst="rect">
+            <a:avLst/>
+          </a:prstGeom>
+          <a:noFill/>
+          <a:extLst>
+            <a:ext uri="{909E8E84-426E-40DD-AFC4-6F175D3DCCD1}">
+              <a14:hiddenFill xmlns:a14="http://schemas.microsoft.com/office/drawing/2010/main">
+                <a:solidFill>
+                  <a:srgbClr val="FFFFFF"/>
+                </a:solidFill>
+              </a14:hiddenFill>
+            </a:ext>
+          </a:extLst>
+        </p:spPr>
+      </p:pic>
     </p:spTree>
     <p:extLst>
       <p:ext uri="{BB962C8B-B14F-4D97-AF65-F5344CB8AC3E}">
@@ -4918,12 +5028,14 @@
         </p:nvSpPr>
         <p:spPr>
           <a:xfrm>
-            <a:off x="0" y="0"/>
-            <a:ext cx="12192000" cy="6858000"/>
-          </a:xfrm>
-        </p:spPr>
-        <p:txBody>
-          <a:bodyPr/>
+            <a:off x="7764692" y="0"/>
+            <a:ext cx="4520073" cy="6858000"/>
+          </a:xfrm>
+        </p:spPr>
+        <p:txBody>
+          <a:bodyPr>
+            <a:normAutofit fontScale="85000" lnSpcReduction="20000"/>
+          </a:bodyPr>
           <a:lstStyle/>
           <a:p>
             <a:r>
@@ -4948,6 +5060,53 @@
           </a:p>
         </p:txBody>
       </p:sp>
+      <p:pic>
+        <p:nvPicPr>
+          <p:cNvPr id="3074" name="Picture 2" descr="Dedan Kimathi University of Technology - Wikipedia">
+            <a:extLst>
+              <a:ext uri="{FF2B5EF4-FFF2-40B4-BE49-F238E27FC236}">
+                <a16:creationId xmlns:a16="http://schemas.microsoft.com/office/drawing/2014/main" id="{E29A843A-F9B6-4C09-86AB-6775E4B0F529}"/>
+              </a:ext>
+            </a:extLst>
+          </p:cNvPr>
+          <p:cNvPicPr>
+            <a:picLocks noChangeAspect="1" noChangeArrowheads="1"/>
+          </p:cNvPicPr>
+          <p:nvPr/>
+        </p:nvPicPr>
+        <p:blipFill>
+          <a:blip r:embed="rId2">
+            <a:extLst>
+              <a:ext uri="{28A0092B-C50C-407E-A947-70E740481C1C}">
+                <a14:useLocalDpi xmlns:a14="http://schemas.microsoft.com/office/drawing/2010/main" val="0"/>
+              </a:ext>
+            </a:extLst>
+          </a:blip>
+          <a:srcRect/>
+          <a:stretch>
+            <a:fillRect/>
+          </a:stretch>
+        </p:blipFill>
+        <p:spPr bwMode="auto">
+          <a:xfrm>
+            <a:off x="0" y="477078"/>
+            <a:ext cx="7764692" cy="5188226"/>
+          </a:xfrm>
+          <a:prstGeom prst="rect">
+            <a:avLst/>
+          </a:prstGeom>
+          <a:noFill/>
+          <a:extLst>
+            <a:ext uri="{909E8E84-426E-40DD-AFC4-6F175D3DCCD1}">
+              <a14:hiddenFill xmlns:a14="http://schemas.microsoft.com/office/drawing/2010/main">
+                <a:solidFill>
+                  <a:srgbClr val="FFFFFF"/>
+                </a:solidFill>
+              </a14:hiddenFill>
+            </a:ext>
+          </a:extLst>
+        </p:spPr>
+      </p:pic>
     </p:spTree>
     <p:extLst>
       <p:ext uri="{BB962C8B-B14F-4D97-AF65-F5344CB8AC3E}">
